--- a/slides/dsmx-other-approaches.pptx
+++ b/slides/dsmx-other-approaches.pptx
@@ -5364,11 +5364,7 @@
             <a:pPr eaLnBrk="1" hangingPunct="1"/>
             <a:r>
               <a:rPr lang="en-GB" altLang="en-US" sz="4000" dirty="0" smtClean="0"/>
-              <a:t>The </a:t>
-            </a:r>
-            <a:r>
-              <a:rPr lang="en-GB" altLang="en-US" sz="4000" dirty="0" smtClean="0"/>
-              <a:t>Future: </a:t>
+              <a:t>The Future: </a:t>
             </a:r>
             <a:r>
               <a:rPr lang="en-GB" altLang="en-US" sz="4000" dirty="0" err="1" smtClean="0"/>
@@ -5401,16 +5397,8 @@
             <a:pPr eaLnBrk="1" hangingPunct="1"/>
             <a:r>
               <a:rPr lang="en-GB" altLang="en-US" dirty="0" smtClean="0"/>
-              <a:t>CREEM + Duke + NOAA + others</a:t>
-            </a:r>
-          </a:p>
-          <a:p>
-            <a:pPr eaLnBrk="1" hangingPunct="1"/>
-            <a:r>
-              <a:rPr lang="en-GB" altLang="en-US" dirty="0" smtClean="0"/>
-              <a:t>Funded by US Navy</a:t>
-            </a:r>
-            <a:endParaRPr lang="en-GB" altLang="en-US" dirty="0" smtClean="0"/>
+              <a:t>CREEM + Duke + NOAA + others (US Navy funded)</a:t>
+            </a:r>
           </a:p>
           <a:p>
             <a:pPr eaLnBrk="1" hangingPunct="1"/>
@@ -5437,7 +5425,15 @@
             <a:pPr lvl="1" eaLnBrk="1" hangingPunct="1"/>
             <a:r>
               <a:rPr lang="en-GB" altLang="en-US" dirty="0" smtClean="0"/>
-              <a:t>Segment sizing issues</a:t>
+              <a:t>Segment size issues (MMPP </a:t>
+            </a:r>
+            <a:r>
+              <a:rPr lang="en-GB" altLang="en-US" dirty="0" err="1" smtClean="0"/>
+              <a:t>etc</a:t>
+            </a:r>
+            <a:r>
+              <a:rPr lang="en-GB" altLang="en-US" dirty="0" smtClean="0"/>
+              <a:t>)</a:t>
             </a:r>
           </a:p>
           <a:p>
@@ -6247,7 +6243,7 @@
           <a:graphicData uri="http://schemas.openxmlformats.org/presentationml/2006/ole">
             <mc:AlternateContent xmlns:mc="http://schemas.openxmlformats.org/markup-compatibility/2006">
               <mc:Choice xmlns:v="urn:schemas-microsoft-com:vml" Requires="v">
-                <p:oleObj spid="_x0000_s3104" name="Equation" r:id="rId3" imgW="1155700" imgH="292100" progId="Equation.3">
+                <p:oleObj spid="_x0000_s3109" name="Equation" r:id="rId3" imgW="1155700" imgH="292100" progId="Equation.3">
                   <p:embed/>
                 </p:oleObj>
               </mc:Choice>
@@ -6515,6 +6511,13 @@
   <p:clrMapOvr>
     <a:masterClrMapping/>
   </p:clrMapOvr>
+  <p:timing>
+    <p:tnLst>
+      <p:par>
+        <p:cTn xmlns:p14="http://schemas.microsoft.com/office/powerpoint/2010/main" id="1" dur="indefinite" restart="never" nodeType="tmRoot"/>
+      </p:par>
+    </p:tnLst>
+  </p:timing>
 </p:sld>
 </file>
 
@@ -6552,10 +6555,10 @@
           <a:p>
             <a:pPr eaLnBrk="1" hangingPunct="1"/>
             <a:r>
-              <a:rPr lang="en-GB" altLang="en-US"/>
+              <a:rPr lang="en-GB" altLang="en-US" dirty="0"/>
               <a:t>Adding uncertain detection</a:t>
             </a:r>
-            <a:endParaRPr lang="en-US" altLang="en-US"/>
+            <a:endParaRPr lang="en-US" altLang="en-US" dirty="0"/>
           </a:p>
         </p:txBody>
       </p:sp>
@@ -6576,73 +6579,76 @@
           <a:p>
             <a:pPr eaLnBrk="1" hangingPunct="1"/>
             <a:r>
-              <a:rPr lang="en-GB" altLang="en-US"/>
+              <a:rPr lang="en-GB" altLang="en-US" dirty="0"/>
               <a:t>Let </a:t>
             </a:r>
             <a:r>
-              <a:rPr lang="en-GB" altLang="en-US" i="1">
+              <a:rPr lang="en-GB" altLang="en-US" i="1" dirty="0">
                 <a:latin typeface="Times New Roman" panose="02020603050405020304" pitchFamily="18" charset="0"/>
               </a:rPr>
               <a:t>g</a:t>
             </a:r>
             <a:r>
-              <a:rPr lang="en-GB" altLang="en-US">
+              <a:rPr lang="en-GB" altLang="en-US" dirty="0">
                 <a:latin typeface="Times New Roman" panose="02020603050405020304" pitchFamily="18" charset="0"/>
               </a:rPr>
               <a:t>(</a:t>
             </a:r>
             <a:r>
-              <a:rPr lang="en-GB" altLang="en-US" i="1">
+              <a:rPr lang="en-GB" altLang="en-US" i="1" dirty="0" err="1">
                 <a:latin typeface="Times New Roman" panose="02020603050405020304" pitchFamily="18" charset="0"/>
               </a:rPr>
               <a:t>x</a:t>
             </a:r>
             <a:r>
-              <a:rPr lang="en-GB" altLang="en-US">
+              <a:rPr lang="en-GB" altLang="en-US" dirty="0" err="1">
                 <a:latin typeface="Times New Roman" panose="02020603050405020304" pitchFamily="18" charset="0"/>
               </a:rPr>
               <a:t>,</a:t>
             </a:r>
             <a:r>
-              <a:rPr lang="en-GB" altLang="en-US" i="1">
+              <a:rPr lang="en-GB" altLang="en-US" i="1" dirty="0" err="1">
                 <a:latin typeface="Times New Roman" panose="02020603050405020304" pitchFamily="18" charset="0"/>
               </a:rPr>
               <a:t>y</a:t>
             </a:r>
             <a:r>
-              <a:rPr lang="en-GB" altLang="en-US">
+              <a:rPr lang="en-GB" altLang="en-US" dirty="0">
                 <a:latin typeface="Times New Roman" panose="02020603050405020304" pitchFamily="18" charset="0"/>
               </a:rPr>
               <a:t>)</a:t>
             </a:r>
             <a:r>
-              <a:rPr lang="en-GB" altLang="en-US"/>
+              <a:rPr lang="en-GB" altLang="en-US" dirty="0"/>
               <a:t> be the probability of detection of an animal given it is at location </a:t>
             </a:r>
             <a:r>
-              <a:rPr lang="en-GB" altLang="en-US" i="1">
+              <a:rPr lang="en-GB" altLang="en-US" i="1" dirty="0" err="1">
                 <a:latin typeface="Times New Roman" panose="02020603050405020304" pitchFamily="18" charset="0"/>
               </a:rPr>
               <a:t>x</a:t>
             </a:r>
             <a:r>
-              <a:rPr lang="en-GB" altLang="en-US"/>
+              <a:rPr lang="en-GB" altLang="en-US" dirty="0" err="1"/>
               <a:t>,</a:t>
             </a:r>
             <a:r>
-              <a:rPr lang="en-GB" altLang="en-US" i="1">
+              <a:rPr lang="en-GB" altLang="en-US" i="1" dirty="0" err="1">
                 <a:latin typeface="Times New Roman" panose="02020603050405020304" pitchFamily="18" charset="0"/>
               </a:rPr>
               <a:t>y</a:t>
             </a:r>
+            <a:endParaRPr lang="en-GB" altLang="en-US" i="1" dirty="0">
+              <a:latin typeface="Times New Roman" panose="02020603050405020304" pitchFamily="18" charset="0"/>
+            </a:endParaRPr>
           </a:p>
           <a:p>
             <a:pPr eaLnBrk="1" hangingPunct="1"/>
             <a:r>
-              <a:rPr lang="en-GB" altLang="en-US"/>
+              <a:rPr lang="en-GB" altLang="en-US" dirty="0"/>
               <a:t>Detection of animals represents a “thinning” of the IPP, which also yields an IPP, with</a:t>
             </a:r>
-            <a:endParaRPr lang="en-US" altLang="en-US"/>
+            <a:endParaRPr lang="en-US" altLang="en-US" dirty="0"/>
           </a:p>
         </p:txBody>
       </p:sp>
@@ -6662,7 +6668,7 @@
           <a:graphicData uri="http://schemas.openxmlformats.org/presentationml/2006/ole">
             <mc:AlternateContent xmlns:mc="http://schemas.openxmlformats.org/markup-compatibility/2006">
               <mc:Choice xmlns:v="urn:schemas-microsoft-com:vml" Requires="v">
-                <p:oleObj spid="_x0000_s4128" name="Equation" r:id="rId3" imgW="1587500" imgH="292100" progId="Equation.3">
+                <p:oleObj spid="_x0000_s4133" name="Equation" r:id="rId3" imgW="1587500" imgH="292100" progId="Equation.3">
                   <p:embed/>
                 </p:oleObj>
               </mc:Choice>
@@ -6942,6 +6948,13 @@
   <p:clrMapOvr>
     <a:masterClrMapping/>
   </p:clrMapOvr>
+  <p:timing>
+    <p:tnLst>
+      <p:par>
+        <p:cTn xmlns:p14="http://schemas.microsoft.com/office/powerpoint/2010/main" id="1" dur="indefinite" restart="never" nodeType="tmRoot"/>
+      </p:par>
+    </p:tnLst>
+  </p:timing>
 </p:sld>
 </file>
 
@@ -6964,35 +6977,6 @@
       </p:grpSpPr>
       <p:sp>
         <p:nvSpPr>
-          <p:cNvPr id="5122" name="Rectangle 2"/>
-          <p:cNvSpPr>
-            <a:spLocks noGrp="1" noChangeArrowheads="1"/>
-          </p:cNvSpPr>
-          <p:nvPr>
-            <p:ph type="title"/>
-          </p:nvPr>
-        </p:nvSpPr>
-        <p:spPr>
-          <a:xfrm>
-            <a:off x="1981200" y="274639"/>
-            <a:ext cx="8229600" cy="922337"/>
-          </a:xfrm>
-        </p:spPr>
-        <p:txBody>
-          <a:bodyPr/>
-          <a:lstStyle/>
-          <a:p>
-            <a:pPr eaLnBrk="1" hangingPunct="1"/>
-            <a:r>
-              <a:rPr lang="en-GB" altLang="en-US"/>
-              <a:t>pdf of observed locations</a:t>
-            </a:r>
-            <a:endParaRPr lang="en-US" altLang="en-US"/>
-          </a:p>
-        </p:txBody>
-      </p:sp>
-      <p:sp>
-        <p:nvSpPr>
           <p:cNvPr id="5123" name="Rectangle 3"/>
           <p:cNvSpPr>
             <a:spLocks noGrp="1" noChangeArrowheads="1"/>
@@ -7012,476 +6996,10 @@
           <a:lstStyle/>
           <a:p>
             <a:pPr eaLnBrk="1" hangingPunct="1"/>
-            <a:r>
-              <a:rPr lang="en-GB" altLang="en-US" dirty="0"/>
-              <a:t>So, given n observations at locations </a:t>
-            </a:r>
-            <a:r>
-              <a:rPr lang="en-GB" altLang="en-US" dirty="0">
-                <a:latin typeface="Times New Roman" panose="02020603050405020304" pitchFamily="18" charset="0"/>
-              </a:rPr>
-              <a:t>(</a:t>
-            </a:r>
-            <a:r>
-              <a:rPr lang="en-GB" altLang="en-US" i="1" dirty="0">
-                <a:latin typeface="Times New Roman" panose="02020603050405020304" pitchFamily="18" charset="0"/>
-              </a:rPr>
-              <a:t>x</a:t>
-            </a:r>
-            <a:r>
-              <a:rPr lang="en-GB" altLang="en-US" baseline="-25000" dirty="0">
-                <a:latin typeface="Times New Roman" panose="02020603050405020304" pitchFamily="18" charset="0"/>
-              </a:rPr>
-              <a:t>1</a:t>
-            </a:r>
-            <a:r>
-              <a:rPr lang="en-GB" altLang="en-US" dirty="0">
-                <a:latin typeface="Times New Roman" panose="02020603050405020304" pitchFamily="18" charset="0"/>
-              </a:rPr>
-              <a:t>, </a:t>
-            </a:r>
-            <a:r>
-              <a:rPr lang="en-GB" altLang="en-US" i="1" dirty="0">
-                <a:latin typeface="Times New Roman" panose="02020603050405020304" pitchFamily="18" charset="0"/>
-              </a:rPr>
-              <a:t>y</a:t>
-            </a:r>
-            <a:r>
-              <a:rPr lang="en-GB" altLang="en-US" baseline="-25000" dirty="0">
-                <a:latin typeface="Times New Roman" panose="02020603050405020304" pitchFamily="18" charset="0"/>
-              </a:rPr>
-              <a:t>1</a:t>
-            </a:r>
-            <a:r>
-              <a:rPr lang="en-GB" altLang="en-US" dirty="0">
-                <a:latin typeface="Times New Roman" panose="02020603050405020304" pitchFamily="18" charset="0"/>
-              </a:rPr>
-              <a:t>) … (</a:t>
-            </a:r>
-            <a:r>
-              <a:rPr lang="en-GB" altLang="en-US" i="1" dirty="0" err="1">
-                <a:latin typeface="Times New Roman" panose="02020603050405020304" pitchFamily="18" charset="0"/>
-              </a:rPr>
-              <a:t>x</a:t>
-            </a:r>
-            <a:r>
-              <a:rPr lang="en-GB" altLang="en-US" i="1" baseline="-25000" dirty="0" err="1">
-                <a:latin typeface="Times New Roman" panose="02020603050405020304" pitchFamily="18" charset="0"/>
-              </a:rPr>
-              <a:t>n</a:t>
-            </a:r>
-            <a:r>
-              <a:rPr lang="en-GB" altLang="en-US" dirty="0">
-                <a:latin typeface="Times New Roman" panose="02020603050405020304" pitchFamily="18" charset="0"/>
-              </a:rPr>
-              <a:t>, </a:t>
-            </a:r>
-            <a:r>
-              <a:rPr lang="en-GB" altLang="en-US" i="1" dirty="0" err="1">
-                <a:latin typeface="Times New Roman" panose="02020603050405020304" pitchFamily="18" charset="0"/>
-              </a:rPr>
-              <a:t>y</a:t>
-            </a:r>
-            <a:r>
-              <a:rPr lang="en-GB" altLang="en-US" i="1" baseline="-25000" dirty="0" err="1">
-                <a:latin typeface="Times New Roman" panose="02020603050405020304" pitchFamily="18" charset="0"/>
-              </a:rPr>
-              <a:t>n</a:t>
-            </a:r>
-            <a:r>
-              <a:rPr lang="en-GB" altLang="en-US" dirty="0">
-                <a:latin typeface="Times New Roman" panose="02020603050405020304" pitchFamily="18" charset="0"/>
-              </a:rPr>
-              <a:t>)</a:t>
-            </a:r>
-            <a:r>
-              <a:rPr lang="en-GB" altLang="en-US" dirty="0"/>
-              <a:t>, we can derive the pdf</a:t>
-            </a:r>
             <a:endParaRPr lang="en-US" altLang="en-US" dirty="0"/>
           </a:p>
         </p:txBody>
       </p:sp>
-      <p:graphicFrame>
-        <p:nvGraphicFramePr>
-          <p:cNvPr id="5124" name="Object 4"/>
-          <p:cNvGraphicFramePr>
-            <a:graphicFrameLocks noChangeAspect="1"/>
-          </p:cNvGraphicFramePr>
-          <p:nvPr>
-            <p:extLst>
-              <p:ext uri="{D42A27DB-BD31-4B8C-83A1-F6EECF244321}">
-                <p14:modId xmlns:p14="http://schemas.microsoft.com/office/powerpoint/2010/main" val="1268033947"/>
-              </p:ext>
-            </p:extLst>
-          </p:nvPr>
-        </p:nvGraphicFramePr>
-        <p:xfrm>
-          <a:off x="1524001" y="2420888"/>
-          <a:ext cx="8964613" cy="1335088"/>
-        </p:xfrm>
-        <a:graphic>
-          <a:graphicData uri="http://schemas.openxmlformats.org/presentationml/2006/ole">
-            <mc:AlternateContent xmlns:mc="http://schemas.openxmlformats.org/markup-compatibility/2006">
-              <mc:Choice xmlns:v="urn:schemas-microsoft-com:vml" Requires="v">
-                <p:oleObj spid="_x0000_s5179" name="Equation" r:id="rId3" imgW="4267200" imgH="635000" progId="Equation.3">
-                  <p:embed/>
-                </p:oleObj>
-              </mc:Choice>
-              <mc:Fallback>
-                <p:oleObj name="Equation" r:id="rId3" imgW="4267200" imgH="635000" progId="Equation.3">
-                  <p:embed/>
-                  <p:pic>
-                    <p:nvPicPr>
-                      <p:cNvPr id="0" name="Object 4"/>
-                      <p:cNvPicPr>
-                        <a:picLocks noChangeAspect="1" noChangeArrowheads="1"/>
-                      </p:cNvPicPr>
-                      <p:nvPr/>
-                    </p:nvPicPr>
-                    <p:blipFill>
-                      <a:blip r:embed="rId4">
-                        <a:extLst>
-                          <a:ext uri="{28A0092B-C50C-407E-A947-70E740481C1C}">
-                            <a14:useLocalDpi xmlns:a14="http://schemas.microsoft.com/office/drawing/2010/main" val="0"/>
-                          </a:ext>
-                        </a:extLst>
-                      </a:blip>
-                      <a:srcRect/>
-                      <a:stretch>
-                        <a:fillRect/>
-                      </a:stretch>
-                    </p:blipFill>
-                    <p:spPr bwMode="auto">
-                      <a:xfrm>
-                        <a:off x="1524001" y="2420888"/>
-                        <a:ext cx="8964613" cy="1335088"/>
-                      </a:xfrm>
-                      <a:prstGeom prst="rect">
-                        <a:avLst/>
-                      </a:prstGeom>
-                      <a:noFill/>
-                      <a:ln>
-                        <a:noFill/>
-                      </a:ln>
-                      <a:effectLst/>
-                      <a:extLst>
-                        <a:ext uri="{909E8E84-426E-40dd-AFC4-6F175D3DCCD1}">
-                          <a14:hiddenFill xmlns:a14="http://schemas.microsoft.com/office/drawing/2010/main">
-                            <a:solidFill>
-                              <a:srgbClr val="FFFFFF"/>
-                            </a:solidFill>
-                          </a14:hiddenFill>
-                        </a:ext>
-                        <a:ext uri="{91240B29-F687-4f45-9708-019B960494DF}">
-                          <a14:hiddenLine xmlns:a14="http://schemas.microsoft.com/office/drawing/2010/main" w="9525">
-                            <a:solidFill>
-                              <a:srgbClr val="000000"/>
-                            </a:solidFill>
-                            <a:miter lim="800000"/>
-                            <a:headEnd/>
-                            <a:tailEnd/>
-                          </a14:hiddenLine>
-                        </a:ext>
-                        <a:ext uri="{AF507438-7753-43e0-B8FC-AC1667EBCBE1}">
-                          <a14:hiddenEffects xmlns:a14="http://schemas.microsoft.com/office/drawing/2010/main">
-                            <a:effectLst>
-                              <a:outerShdw dist="35921" dir="2700000" algn="ctr" rotWithShape="0">
-                                <a:srgbClr val="808080"/>
-                              </a:outerShdw>
-                            </a:effectLst>
-                          </a14:hiddenEffects>
-                        </a:ext>
-                      </a:extLst>
-                    </p:spPr>
-                  </p:pic>
-                </p:oleObj>
-              </mc:Fallback>
-            </mc:AlternateContent>
-          </a:graphicData>
-        </a:graphic>
-      </p:graphicFrame>
-      <p:sp>
-        <p:nvSpPr>
-          <p:cNvPr id="5125" name="Text Box 5"/>
-          <p:cNvSpPr txBox="1">
-            <a:spLocks noChangeArrowheads="1"/>
-          </p:cNvSpPr>
-          <p:nvPr/>
-        </p:nvSpPr>
-        <p:spPr bwMode="auto">
-          <a:xfrm>
-            <a:off x="2063750" y="4005213"/>
-            <a:ext cx="1512888" cy="579438"/>
-          </a:xfrm>
-          <a:prstGeom prst="rect">
-            <a:avLst/>
-          </a:prstGeom>
-          <a:noFill/>
-          <a:ln>
-            <a:noFill/>
-          </a:ln>
-          <a:extLst>
-            <a:ext uri="{909E8E84-426E-40dd-AFC4-6F175D3DCCD1}">
-              <a14:hiddenFill xmlns:a14="http://schemas.microsoft.com/office/drawing/2010/main">
-                <a:solidFill>
-                  <a:srgbClr val="FFFFFF"/>
-                </a:solidFill>
-              </a14:hiddenFill>
-            </a:ext>
-            <a:ext uri="{91240B29-F687-4f45-9708-019B960494DF}">
-              <a14:hiddenLine xmlns:a14="http://schemas.microsoft.com/office/drawing/2010/main" w="9525">
-                <a:solidFill>
-                  <a:srgbClr val="000000"/>
-                </a:solidFill>
-                <a:miter lim="800000"/>
-                <a:headEnd/>
-                <a:tailEnd/>
-              </a14:hiddenLine>
-            </a:ext>
-          </a:extLst>
-        </p:spPr>
-        <p:txBody>
-          <a:bodyPr>
-            <a:spAutoFit/>
-          </a:bodyPr>
-          <a:lstStyle>
-            <a:lvl1pPr eaLnBrk="0" hangingPunct="0">
-              <a:spcBef>
-                <a:spcPct val="20000"/>
-              </a:spcBef>
-              <a:buChar char="•"/>
-              <a:defRPr sz="3200">
-                <a:solidFill>
-                  <a:schemeClr val="tx1"/>
-                </a:solidFill>
-                <a:latin typeface="Arial" panose="020B0604020202020204" pitchFamily="34" charset="0"/>
-              </a:defRPr>
-            </a:lvl1pPr>
-            <a:lvl2pPr marL="742950" indent="-285750" eaLnBrk="0" hangingPunct="0">
-              <a:spcBef>
-                <a:spcPct val="20000"/>
-              </a:spcBef>
-              <a:buChar char="–"/>
-              <a:defRPr sz="2800">
-                <a:solidFill>
-                  <a:schemeClr val="tx1"/>
-                </a:solidFill>
-                <a:latin typeface="Arial" panose="020B0604020202020204" pitchFamily="34" charset="0"/>
-              </a:defRPr>
-            </a:lvl2pPr>
-            <a:lvl3pPr marL="1143000" indent="-228600" eaLnBrk="0" hangingPunct="0">
-              <a:spcBef>
-                <a:spcPct val="20000"/>
-              </a:spcBef>
-              <a:buChar char="•"/>
-              <a:defRPr sz="2400">
-                <a:solidFill>
-                  <a:schemeClr val="tx1"/>
-                </a:solidFill>
-                <a:latin typeface="Arial" panose="020B0604020202020204" pitchFamily="34" charset="0"/>
-              </a:defRPr>
-            </a:lvl3pPr>
-            <a:lvl4pPr marL="1600200" indent="-228600" eaLnBrk="0" hangingPunct="0">
-              <a:spcBef>
-                <a:spcPct val="20000"/>
-              </a:spcBef>
-              <a:buChar char="–"/>
-              <a:defRPr sz="2000">
-                <a:solidFill>
-                  <a:schemeClr val="tx1"/>
-                </a:solidFill>
-                <a:latin typeface="Arial" panose="020B0604020202020204" pitchFamily="34" charset="0"/>
-              </a:defRPr>
-            </a:lvl4pPr>
-            <a:lvl5pPr marL="2057400" indent="-228600" eaLnBrk="0" hangingPunct="0">
-              <a:spcBef>
-                <a:spcPct val="20000"/>
-              </a:spcBef>
-              <a:buChar char="»"/>
-              <a:defRPr sz="2000">
-                <a:solidFill>
-                  <a:schemeClr val="tx1"/>
-                </a:solidFill>
-                <a:latin typeface="Arial" panose="020B0604020202020204" pitchFamily="34" charset="0"/>
-              </a:defRPr>
-            </a:lvl5pPr>
-            <a:lvl6pPr marL="2514600" indent="-228600" eaLnBrk="0" fontAlgn="base" hangingPunct="0">
-              <a:spcBef>
-                <a:spcPct val="20000"/>
-              </a:spcBef>
-              <a:spcAft>
-                <a:spcPct val="0"/>
-              </a:spcAft>
-              <a:buChar char="»"/>
-              <a:defRPr sz="2000">
-                <a:solidFill>
-                  <a:schemeClr val="tx1"/>
-                </a:solidFill>
-                <a:latin typeface="Arial" panose="020B0604020202020204" pitchFamily="34" charset="0"/>
-              </a:defRPr>
-            </a:lvl6pPr>
-            <a:lvl7pPr marL="2971800" indent="-228600" eaLnBrk="0" fontAlgn="base" hangingPunct="0">
-              <a:spcBef>
-                <a:spcPct val="20000"/>
-              </a:spcBef>
-              <a:spcAft>
-                <a:spcPct val="0"/>
-              </a:spcAft>
-              <a:buChar char="»"/>
-              <a:defRPr sz="2000">
-                <a:solidFill>
-                  <a:schemeClr val="tx1"/>
-                </a:solidFill>
-                <a:latin typeface="Arial" panose="020B0604020202020204" pitchFamily="34" charset="0"/>
-              </a:defRPr>
-            </a:lvl7pPr>
-            <a:lvl8pPr marL="3429000" indent="-228600" eaLnBrk="0" fontAlgn="base" hangingPunct="0">
-              <a:spcBef>
-                <a:spcPct val="20000"/>
-              </a:spcBef>
-              <a:spcAft>
-                <a:spcPct val="0"/>
-              </a:spcAft>
-              <a:buChar char="»"/>
-              <a:defRPr sz="2000">
-                <a:solidFill>
-                  <a:schemeClr val="tx1"/>
-                </a:solidFill>
-                <a:latin typeface="Arial" panose="020B0604020202020204" pitchFamily="34" charset="0"/>
-              </a:defRPr>
-            </a:lvl8pPr>
-            <a:lvl9pPr marL="3886200" indent="-228600" eaLnBrk="0" fontAlgn="base" hangingPunct="0">
-              <a:spcBef>
-                <a:spcPct val="20000"/>
-              </a:spcBef>
-              <a:spcAft>
-                <a:spcPct val="0"/>
-              </a:spcAft>
-              <a:buChar char="»"/>
-              <a:defRPr sz="2000">
-                <a:solidFill>
-                  <a:schemeClr val="tx1"/>
-                </a:solidFill>
-                <a:latin typeface="Arial" panose="020B0604020202020204" pitchFamily="34" charset="0"/>
-              </a:defRPr>
-            </a:lvl9pPr>
-          </a:lstStyle>
-          <a:p>
-            <a:pPr eaLnBrk="1" hangingPunct="1">
-              <a:spcBef>
-                <a:spcPct val="50000"/>
-              </a:spcBef>
-              <a:buFontTx/>
-              <a:buNone/>
-            </a:pPr>
-            <a:r>
-              <a:rPr lang="en-GB" altLang="en-US"/>
-              <a:t>where</a:t>
-            </a:r>
-            <a:endParaRPr lang="en-US" altLang="en-US"/>
-          </a:p>
-        </p:txBody>
-      </p:sp>
-      <p:graphicFrame>
-        <p:nvGraphicFramePr>
-          <p:cNvPr id="5126" name="Object 6"/>
-          <p:cNvGraphicFramePr>
-            <a:graphicFrameLocks noChangeAspect="1"/>
-          </p:cNvGraphicFramePr>
-          <p:nvPr>
-            <p:extLst>
-              <p:ext uri="{D42A27DB-BD31-4B8C-83A1-F6EECF244321}">
-                <p14:modId xmlns:p14="http://schemas.microsoft.com/office/powerpoint/2010/main" val="1171167082"/>
-              </p:ext>
-            </p:extLst>
-          </p:nvPr>
-        </p:nvGraphicFramePr>
-        <p:xfrm>
-          <a:off x="3503613" y="3933776"/>
-          <a:ext cx="4591050" cy="965200"/>
-        </p:xfrm>
-        <a:graphic>
-          <a:graphicData uri="http://schemas.openxmlformats.org/presentationml/2006/ole">
-            <mc:AlternateContent xmlns:mc="http://schemas.openxmlformats.org/markup-compatibility/2006">
-              <mc:Choice xmlns:v="urn:schemas-microsoft-com:vml" Requires="v">
-                <p:oleObj spid="_x0000_s5180" name="Equation" r:id="rId5" imgW="1752600" imgH="368300" progId="Equation.3">
-                  <p:embed/>
-                </p:oleObj>
-              </mc:Choice>
-              <mc:Fallback>
-                <p:oleObj name="Equation" r:id="rId5" imgW="1752600" imgH="368300" progId="Equation.3">
-                  <p:embed/>
-                  <p:pic>
-                    <p:nvPicPr>
-                      <p:cNvPr id="0" name="Object 6"/>
-                      <p:cNvPicPr>
-                        <a:picLocks noChangeAspect="1" noChangeArrowheads="1"/>
-                      </p:cNvPicPr>
-                      <p:nvPr/>
-                    </p:nvPicPr>
-                    <p:blipFill>
-                      <a:blip r:embed="rId6">
-                        <a:extLst>
-                          <a:ext uri="{28A0092B-C50C-407E-A947-70E740481C1C}">
-                            <a14:useLocalDpi xmlns:a14="http://schemas.microsoft.com/office/drawing/2010/main" val="0"/>
-                          </a:ext>
-                        </a:extLst>
-                      </a:blip>
-                      <a:srcRect/>
-                      <a:stretch>
-                        <a:fillRect/>
-                      </a:stretch>
-                    </p:blipFill>
-                    <p:spPr bwMode="auto">
-                      <a:xfrm>
-                        <a:off x="3503613" y="3933776"/>
-                        <a:ext cx="4591050" cy="965200"/>
-                      </a:xfrm>
-                      <a:prstGeom prst="rect">
-                        <a:avLst/>
-                      </a:prstGeom>
-                      <a:noFill/>
-                      <a:ln>
-                        <a:noFill/>
-                      </a:ln>
-                      <a:effectLst/>
-                      <a:extLst>
-                        <a:ext uri="{909E8E84-426E-40dd-AFC4-6F175D3DCCD1}">
-                          <a14:hiddenFill xmlns:a14="http://schemas.microsoft.com/office/drawing/2010/main">
-                            <a:solidFill>
-                              <a:srgbClr val="FFFFFF"/>
-                            </a:solidFill>
-                          </a14:hiddenFill>
-                        </a:ext>
-                        <a:ext uri="{91240B29-F687-4f45-9708-019B960494DF}">
-                          <a14:hiddenLine xmlns:a14="http://schemas.microsoft.com/office/drawing/2010/main" w="9525">
-                            <a:solidFill>
-                              <a:srgbClr val="000000"/>
-                            </a:solidFill>
-                            <a:miter lim="800000"/>
-                            <a:headEnd/>
-                            <a:tailEnd/>
-                          </a14:hiddenLine>
-                        </a:ext>
-                        <a:ext uri="{AF507438-7753-43e0-B8FC-AC1667EBCBE1}">
-                          <a14:hiddenEffects xmlns:a14="http://schemas.microsoft.com/office/drawing/2010/main">
-                            <a:effectLst>
-                              <a:outerShdw dist="35921" dir="2700000" algn="ctr" rotWithShape="0">
-                                <a:srgbClr val="808080"/>
-                              </a:outerShdw>
-                            </a:effectLst>
-                          </a14:hiddenEffects>
-                        </a:ext>
-                      </a:extLst>
-                    </p:spPr>
-                  </p:pic>
-                </p:oleObj>
-              </mc:Fallback>
-            </mc:AlternateContent>
-          </a:graphicData>
-        </a:graphic>
-      </p:graphicFrame>
       <p:sp>
         <p:nvSpPr>
           <p:cNvPr id="5127" name="Rectangle 7"/>
@@ -7648,51 +7166,71 @@
           </a:lstStyle>
           <a:p>
             <a:pPr eaLnBrk="1" hangingPunct="1"/>
-            <a:r>
-              <a:rPr lang="en-GB" altLang="en-US" dirty="0"/>
-              <a:t>Given a parametric form for </a:t>
-            </a:r>
-            <a:r>
-              <a:rPr lang="en-GB" altLang="en-US" i="1" dirty="0">
-                <a:latin typeface="Times New Roman" panose="02020603050405020304" pitchFamily="18" charset="0"/>
-              </a:rPr>
-              <a:t>D</a:t>
-            </a:r>
-            <a:r>
-              <a:rPr lang="en-GB" altLang="en-US" dirty="0">
-                <a:latin typeface="Times New Roman" panose="02020603050405020304" pitchFamily="18" charset="0"/>
-              </a:rPr>
-              <a:t>()</a:t>
-            </a:r>
-            <a:r>
-              <a:rPr lang="en-GB" altLang="en-US" dirty="0"/>
-              <a:t> and </a:t>
-            </a:r>
-            <a:r>
-              <a:rPr lang="en-GB" altLang="en-US" i="1" dirty="0">
-                <a:latin typeface="Times New Roman" panose="02020603050405020304" pitchFamily="18" charset="0"/>
-              </a:rPr>
-              <a:t>g</a:t>
-            </a:r>
-            <a:r>
-              <a:rPr lang="en-GB" altLang="en-US" dirty="0">
-                <a:latin typeface="Times New Roman" panose="02020603050405020304" pitchFamily="18" charset="0"/>
-              </a:rPr>
-              <a:t>()</a:t>
-            </a:r>
-            <a:r>
-              <a:rPr lang="en-GB" altLang="en-US" dirty="0"/>
-              <a:t> we can come up with a likelihood</a:t>
-            </a:r>
             <a:endParaRPr lang="en-US" altLang="en-US" dirty="0"/>
           </a:p>
         </p:txBody>
       </p:sp>
+      <p:sp>
+        <p:nvSpPr>
+          <p:cNvPr id="2" name="Title 1"/>
+          <p:cNvSpPr>
+            <a:spLocks noGrp="1"/>
+          </p:cNvSpPr>
+          <p:nvPr>
+            <p:ph type="title"/>
+          </p:nvPr>
+        </p:nvSpPr>
+        <p:spPr/>
+        <p:txBody>
+          <a:bodyPr/>
+          <a:lstStyle/>
+          <a:p>
+            <a:endParaRPr lang="en-US"/>
+          </a:p>
+        </p:txBody>
+      </p:sp>
+      <p:pic>
+        <p:nvPicPr>
+          <p:cNvPr id="3" name="Picture 2" descr="Screen Shot 2017-07-28 at 12.18.55.png"/>
+          <p:cNvPicPr>
+            <a:picLocks noChangeAspect="1"/>
+          </p:cNvPicPr>
+          <p:nvPr/>
+        </p:nvPicPr>
+        <p:blipFill>
+          <a:blip r:embed="rId2">
+            <a:extLst>
+              <a:ext uri="{28A0092B-C50C-407E-A947-70E740481C1C}">
+                <a14:useLocalDpi xmlns:a14="http://schemas.microsoft.com/office/drawing/2010/main" val="0"/>
+              </a:ext>
+            </a:extLst>
+          </a:blip>
+          <a:stretch>
+            <a:fillRect/>
+          </a:stretch>
+        </p:blipFill>
+        <p:spPr>
+          <a:xfrm>
+            <a:off x="1667201" y="0"/>
+            <a:ext cx="8427125" cy="6858000"/>
+          </a:xfrm>
+          <a:prstGeom prst="rect">
+            <a:avLst/>
+          </a:prstGeom>
+        </p:spPr>
+      </p:pic>
     </p:spTree>
   </p:cSld>
   <p:clrMapOvr>
     <a:masterClrMapping/>
   </p:clrMapOvr>
+  <p:timing>
+    <p:tnLst>
+      <p:par>
+        <p:cTn xmlns:p14="http://schemas.microsoft.com/office/powerpoint/2010/main" id="1" dur="indefinite" restart="never" nodeType="tmRoot"/>
+      </p:par>
+    </p:tnLst>
+  </p:timing>
 </p:sld>
 </file>
 
@@ -8645,6 +8183,13 @@
   <p:clrMapOvr>
     <a:masterClrMapping/>
   </p:clrMapOvr>
+  <p:timing>
+    <p:tnLst>
+      <p:par>
+        <p:cTn xmlns:p14="http://schemas.microsoft.com/office/powerpoint/2010/main" id="1" dur="indefinite" restart="never" nodeType="tmRoot"/>
+      </p:par>
+    </p:tnLst>
+  </p:timing>
 </p:sld>
 </file>
 
@@ -8687,32 +8232,8 @@
           <a:p>
             <a:pPr eaLnBrk="1" hangingPunct="1"/>
             <a:r>
-              <a:rPr lang="en-GB" altLang="en-US" dirty="0"/>
-              <a:t>E.g., </a:t>
-            </a:r>
-            <a:r>
-              <a:rPr lang="en-GB" altLang="en-US" dirty="0" err="1"/>
-              <a:t>Fleecefaulds</a:t>
-            </a:r>
-            <a:r>
-              <a:rPr lang="en-GB" altLang="en-US" dirty="0"/>
-              <a:t>, </a:t>
-            </a:r>
-            <a:r>
-              <a:rPr lang="en-GB" altLang="en-US" dirty="0" err="1"/>
-              <a:t>Sakalin</a:t>
-            </a:r>
-            <a:r>
-              <a:rPr lang="en-GB" altLang="en-US" dirty="0"/>
-              <a:t> grey whales, river dolphins, blue whales SOSUS, </a:t>
-            </a:r>
-            <a:r>
-              <a:rPr lang="en-GB" altLang="en-US" dirty="0" err="1"/>
-              <a:t>Dubbo</a:t>
-            </a:r>
-            <a:r>
-              <a:rPr lang="en-GB" altLang="en-US" dirty="0"/>
-              <a:t> weeds, …</a:t>
+              <a:rPr lang="en-GB" altLang="en-US" dirty="0" smtClean="0"/>
+              <a:t>Covered area is a large proportion of study area</a:t>
             </a:r>
             <a:endParaRPr lang="en-US" altLang="en-US" dirty="0"/>
           </a:p>
@@ -8806,6 +8327,13 @@
   <p:clrMapOvr>
     <a:masterClrMapping/>
   </p:clrMapOvr>
+  <p:timing>
+    <p:tnLst>
+      <p:par>
+        <p:cTn xmlns:p14="http://schemas.microsoft.com/office/powerpoint/2010/main" id="1" dur="indefinite" restart="never" nodeType="tmRoot"/>
+      </p:par>
+    </p:tnLst>
+  </p:timing>
 </p:sld>
 </file>
 
@@ -9048,36 +8576,18 @@
                 <a:latin typeface="Courier New" panose="02070309020205020404" pitchFamily="49" charset="0"/>
                 <a:cs typeface="Courier New" panose="02070309020205020404" pitchFamily="49" charset="0"/>
               </a:rPr>
-              <a:t> library)</a:t>
-            </a:r>
-          </a:p>
-          <a:p>
-            <a:pPr eaLnBrk="1" hangingPunct="1"/>
-            <a:r>
-              <a:rPr lang="en-GB" altLang="en-US" sz="2800" dirty="0" err="1">
+              <a:t> </a:t>
+            </a:r>
+            <a:r>
+              <a:rPr lang="en-GB" altLang="en-US" sz="2800" dirty="0" smtClean="0">
+                <a:latin typeface="Courier New" panose="02070309020205020404" pitchFamily="49" charset="0"/>
                 <a:cs typeface="Courier New" panose="02070309020205020404" pitchFamily="49" charset="0"/>
               </a:rPr>
-              <a:t>ESSMod</a:t>
-            </a:r>
-            <a:r>
-              <a:rPr lang="en-GB" altLang="en-US" sz="2800" dirty="0">
-                <a:cs typeface="Courier New" panose="02070309020205020404" pitchFamily="49" charset="0"/>
-              </a:rPr>
-              <a:t> Project; Yuan et al. </a:t>
-            </a:r>
-            <a:r>
-              <a:rPr lang="en-GB" altLang="en-US" sz="2800" dirty="0" smtClean="0">
-                <a:cs typeface="Courier New" panose="02070309020205020404" pitchFamily="49" charset="0"/>
-              </a:rPr>
-              <a:t>(2017)</a:t>
-            </a:r>
-            <a:endParaRPr lang="en-GB" altLang="en-US" sz="2800" dirty="0">
-              <a:latin typeface="Courier New" panose="02070309020205020404" pitchFamily="49" charset="0"/>
-              <a:cs typeface="Courier New" panose="02070309020205020404" pitchFamily="49" charset="0"/>
-            </a:endParaRPr>
-          </a:p>
-          <a:p>
-            <a:pPr lvl="1" eaLnBrk="1" hangingPunct="1"/>
+              <a:t>library)</a:t>
+            </a:r>
+          </a:p>
+          <a:p>
+            <a:pPr eaLnBrk="1" hangingPunct="1"/>
             <a:r>
               <a:rPr lang="en-GB" altLang="en-US" sz="2400" dirty="0" err="1" smtClean="0">
                 <a:latin typeface="Courier New" panose="02070309020205020404" pitchFamily="49" charset="0"/>
@@ -9103,21 +8613,26 @@
               <a:rPr lang="en-GB" altLang="en-US" sz="2400" dirty="0">
                 <a:cs typeface="Courier New" panose="02070309020205020404" pitchFamily="49" charset="0"/>
               </a:rPr>
-              <a:t>package; software and training materials at</a:t>
+              <a:t>package</a:t>
+            </a:r>
+            <a:r>
+              <a:rPr lang="en-GB" altLang="en-US" sz="2400" dirty="0">
+                <a:cs typeface="Courier New" panose="02070309020205020404" pitchFamily="49" charset="0"/>
+              </a:rPr>
+              <a:t>; Yuan et al. (2017) </a:t>
+            </a:r>
+            <a:r>
+              <a:rPr lang="en-GB" altLang="en-US" sz="2400" dirty="0">
+                <a:cs typeface="Courier New" panose="02070309020205020404" pitchFamily="49" charset="0"/>
+              </a:rPr>
+              <a:t>software and training materials at</a:t>
             </a:r>
             <a:r>
               <a:rPr lang="en-GB" altLang="en-US" sz="2400" dirty="0">
                 <a:latin typeface="Courier New" panose="02070309020205020404" pitchFamily="49" charset="0"/>
                 <a:cs typeface="Courier New" panose="02070309020205020404" pitchFamily="49" charset="0"/>
               </a:rPr>
-              <a:t> </a:t>
-            </a:r>
-            <a:r>
-              <a:rPr lang="en-GB" altLang="en-US" sz="2400" dirty="0">
-                <a:latin typeface="Courier New" panose="02070309020205020404" pitchFamily="49" charset="0"/>
-                <a:cs typeface="Courier New" panose="02070309020205020404" pitchFamily="49" charset="0"/>
-              </a:rPr>
-              <a:t>https://</a:t>
+              <a:t> https://</a:t>
             </a:r>
             <a:r>
               <a:rPr lang="en-GB" altLang="en-US" sz="2400" dirty="0" err="1">
@@ -9161,10 +8676,6 @@
               </a:rPr>
               <a:t>/download</a:t>
             </a:r>
-            <a:endParaRPr lang="en-GB" altLang="en-US" sz="2400" dirty="0">
-              <a:latin typeface="Courier New" panose="02070309020205020404" pitchFamily="49" charset="0"/>
-              <a:cs typeface="Courier New" panose="02070309020205020404" pitchFamily="49" charset="0"/>
-            </a:endParaRPr>
           </a:p>
         </p:txBody>
       </p:sp>
@@ -9223,6 +8734,13 @@
   <p:clrMapOvr>
     <a:masterClrMapping/>
   </p:clrMapOvr>
+  <p:timing>
+    <p:tnLst>
+      <p:par>
+        <p:cTn xmlns:p14="http://schemas.microsoft.com/office/powerpoint/2010/main" id="1" dur="indefinite" restart="never" nodeType="tmRoot"/>
+      </p:par>
+    </p:tnLst>
+  </p:timing>
 </p:sld>
 </file>
 

--- a/slides/dsmx-other-approaches.pptx
+++ b/slides/dsmx-other-approaches.pptx
@@ -154,7 +154,7 @@
   </p:defaultTextStyle>
   <p:extLst>
     <p:ext uri="{EFAFB233-063F-42B5-8137-9DF3F51BA10A}">
-      <p15:sldGuideLst xmlns:p15="http://schemas.microsoft.com/office/powerpoint/2012/main" xmlns="">
+      <p15:sldGuideLst xmlns="" xmlns:p15="http://schemas.microsoft.com/office/powerpoint/2012/main">
         <p15:guide id="1" orient="horz" pos="2160" userDrawn="1">
           <p15:clr>
             <a:srgbClr val="A4A3A4"/>
@@ -168,7 +168,7 @@
       </p15:sldGuideLst>
     </p:ext>
     <p:ext uri="{2D200454-40CA-4A62-9FC3-DE9A4176ACB9}">
-      <p15:notesGuideLst xmlns:p15="http://schemas.microsoft.com/office/powerpoint/2012/main" xmlns="">
+      <p15:notesGuideLst xmlns="" xmlns:p15="http://schemas.microsoft.com/office/powerpoint/2012/main">
         <p15:guide id="1" orient="horz" pos="3223">
           <p15:clr>
             <a:srgbClr val="A4A3A4"/>
@@ -6243,7 +6243,7 @@
           <a:graphicData uri="http://schemas.openxmlformats.org/presentationml/2006/ole">
             <mc:AlternateContent xmlns:mc="http://schemas.openxmlformats.org/markup-compatibility/2006">
               <mc:Choice xmlns:v="urn:schemas-microsoft-com:vml" Requires="v">
-                <p:oleObj spid="_x0000_s3109" name="Equation" r:id="rId3" imgW="1155700" imgH="292100" progId="Equation.3">
+                <p:oleObj spid="_x0000_s3111" name="Equation" r:id="rId3" imgW="1155700" imgH="292100" progId="Equation.3">
                   <p:embed/>
                 </p:oleObj>
               </mc:Choice>
@@ -6668,7 +6668,7 @@
           <a:graphicData uri="http://schemas.openxmlformats.org/presentationml/2006/ole">
             <mc:AlternateContent xmlns:mc="http://schemas.openxmlformats.org/markup-compatibility/2006">
               <mc:Choice xmlns:v="urn:schemas-microsoft-com:vml" Requires="v">
-                <p:oleObj spid="_x0000_s4133" name="Equation" r:id="rId3" imgW="1587500" imgH="292100" progId="Equation.3">
+                <p:oleObj spid="_x0000_s4135" name="Equation" r:id="rId3" imgW="1587500" imgH="292100" progId="Equation.3">
                   <p:embed/>
                 </p:oleObj>
               </mc:Choice>
@@ -8613,19 +8613,7 @@
               <a:rPr lang="en-GB" altLang="en-US" sz="2400" dirty="0">
                 <a:cs typeface="Courier New" panose="02070309020205020404" pitchFamily="49" charset="0"/>
               </a:rPr>
-              <a:t>package</a:t>
-            </a:r>
-            <a:r>
-              <a:rPr lang="en-GB" altLang="en-US" sz="2400" dirty="0">
-                <a:cs typeface="Courier New" panose="02070309020205020404" pitchFamily="49" charset="0"/>
-              </a:rPr>
-              <a:t>; Yuan et al. (2017) </a:t>
-            </a:r>
-            <a:r>
-              <a:rPr lang="en-GB" altLang="en-US" sz="2400" dirty="0">
-                <a:cs typeface="Courier New" panose="02070309020205020404" pitchFamily="49" charset="0"/>
-              </a:rPr>
-              <a:t>software and training materials at</a:t>
+              <a:t>package; Yuan et al. (2017) software and training materials at</a:t>
             </a:r>
             <a:r>
               <a:rPr lang="en-GB" altLang="en-US" sz="2400" dirty="0">
